--- a/剑指Offer（牛客网）PPT/JZ3.pptx
+++ b/剑指Offer（牛客网）PPT/JZ3.pptx
@@ -5,7 +5,7 @@
     <p:sldMasterId id="2147483648" r:id="rId1"/>
   </p:sldMasterIdLst>
   <p:notesMasterIdLst>
-    <p:notesMasterId r:id="rId10"/>
+    <p:notesMasterId r:id="rId11"/>
   </p:notesMasterIdLst>
   <p:sldIdLst>
     <p:sldId id="344" r:id="rId2"/>
@@ -15,12 +15,13 @@
     <p:sldId id="354" r:id="rId6"/>
     <p:sldId id="349" r:id="rId7"/>
     <p:sldId id="356" r:id="rId8"/>
-    <p:sldId id="355" r:id="rId9"/>
+    <p:sldId id="372" r:id="rId9"/>
+    <p:sldId id="355" r:id="rId10"/>
   </p:sldIdLst>
   <p:sldSz cx="12192000" cy="6858000"/>
   <p:notesSz cx="6858000" cy="9144000"/>
   <p:custDataLst>
-    <p:tags r:id="rId11"/>
+    <p:tags r:id="rId12"/>
   </p:custDataLst>
   <p:defaultTextStyle>
     <a:defPPr>
@@ -145,6 +146,7 @@
         </p14:section>
         <p14:section name="测试用例" id="{62DC9D6C-8155-421C-B9AB-10D32FDF9DD1}">
           <p14:sldIdLst>
+            <p14:sldId id="372"/>
             <p14:sldId id="355"/>
           </p14:sldIdLst>
         </p14:section>
@@ -270,7 +272,7 @@
           <a:p>
             <a:fld id="{A0D9ADF7-BBAB-4E2A-830B-43C9ACA37AA0}" type="datetimeFigureOut">
               <a:rPr lang="zh-CN" altLang="en-US" smtClean="0"/>
-              <a:t>2021-03-28</a:t>
+              <a:t>2021-04-04</a:t>
             </a:fld>
             <a:endParaRPr lang="zh-CN" altLang="en-US"/>
           </a:p>
@@ -1274,7 +1276,7 @@
           <a:p>
             <a:fld id="{BE7A3CAE-6D4F-420E-A33D-FB9EE85A2428}" type="datetime1">
               <a:rPr lang="zh-CN" altLang="en-US" smtClean="0"/>
-              <a:t>2021-03-28</a:t>
+              <a:t>2021-04-04</a:t>
             </a:fld>
             <a:endParaRPr lang="zh-CN" altLang="en-US"/>
           </a:p>
@@ -1484,7 +1486,7 @@
           <a:p>
             <a:fld id="{DB334921-FCCD-46BD-A8D3-63411D25D8DC}" type="datetime1">
               <a:rPr lang="zh-CN" altLang="en-US" smtClean="0"/>
-              <a:t>2021-03-28</a:t>
+              <a:t>2021-04-04</a:t>
             </a:fld>
             <a:endParaRPr lang="zh-CN" altLang="en-US"/>
           </a:p>
@@ -1704,7 +1706,7 @@
           <a:p>
             <a:fld id="{1164865B-4C37-4F3B-9E10-B40FBA1D0E53}" type="datetime1">
               <a:rPr lang="zh-CN" altLang="en-US" smtClean="0"/>
-              <a:t>2021-03-28</a:t>
+              <a:t>2021-04-04</a:t>
             </a:fld>
             <a:endParaRPr lang="zh-CN" altLang="en-US"/>
           </a:p>
@@ -1914,7 +1916,7 @@
           <a:p>
             <a:fld id="{8A41AC11-D034-4854-929A-22357A02D3C1}" type="datetime1">
               <a:rPr lang="zh-CN" altLang="en-US" smtClean="0"/>
-              <a:t>2021-03-28</a:t>
+              <a:t>2021-04-04</a:t>
             </a:fld>
             <a:endParaRPr lang="zh-CN" altLang="en-US"/>
           </a:p>
@@ -2201,7 +2203,7 @@
           <a:p>
             <a:fld id="{C4285CD8-BD90-43B5-9A15-0FDA3EBD6F84}" type="datetime1">
               <a:rPr lang="zh-CN" altLang="en-US" smtClean="0"/>
-              <a:t>2021-03-28</a:t>
+              <a:t>2021-04-04</a:t>
             </a:fld>
             <a:endParaRPr lang="zh-CN" altLang="en-US"/>
           </a:p>
@@ -2478,7 +2480,7 @@
           <a:p>
             <a:fld id="{A80E6C44-4C94-493C-94B6-AC034D372A17}" type="datetime1">
               <a:rPr lang="zh-CN" altLang="en-US" smtClean="0"/>
-              <a:t>2021-03-28</a:t>
+              <a:t>2021-04-04</a:t>
             </a:fld>
             <a:endParaRPr lang="zh-CN" altLang="en-US"/>
           </a:p>
@@ -2902,7 +2904,7 @@
           <a:p>
             <a:fld id="{FFF11161-34BB-46D1-BFFD-FC132A58D73E}" type="datetime1">
               <a:rPr lang="zh-CN" altLang="en-US" smtClean="0"/>
-              <a:t>2021-03-28</a:t>
+              <a:t>2021-04-04</a:t>
             </a:fld>
             <a:endParaRPr lang="zh-CN" altLang="en-US"/>
           </a:p>
@@ -3055,7 +3057,7 @@
           <a:p>
             <a:fld id="{04AD62A7-4E52-4B29-9333-9E66BCCDACAB}" type="datetime1">
               <a:rPr lang="zh-CN" altLang="en-US" smtClean="0"/>
-              <a:t>2021-03-28</a:t>
+              <a:t>2021-04-04</a:t>
             </a:fld>
             <a:endParaRPr lang="zh-CN" altLang="en-US"/>
           </a:p>
@@ -3180,7 +3182,7 @@
           <a:p>
             <a:fld id="{BA83D2F0-3775-46CB-A730-42C120806BB6}" type="datetime1">
               <a:rPr lang="zh-CN" altLang="en-US" smtClean="0"/>
-              <a:t>2021-03-28</a:t>
+              <a:t>2021-04-04</a:t>
             </a:fld>
             <a:endParaRPr lang="zh-CN" altLang="en-US"/>
           </a:p>
@@ -3503,7 +3505,7 @@
           <a:p>
             <a:fld id="{1888BFB9-00A5-41A2-A12D-E0B489699D91}" type="datetime1">
               <a:rPr lang="zh-CN" altLang="en-US" smtClean="0"/>
-              <a:t>2021-03-28</a:t>
+              <a:t>2021-04-04</a:t>
             </a:fld>
             <a:endParaRPr lang="zh-CN" altLang="en-US"/>
           </a:p>
@@ -3803,7 +3805,7 @@
           <a:p>
             <a:fld id="{10C86DA3-723E-4CD7-A1B7-2951DE624DBF}" type="datetime1">
               <a:rPr lang="zh-CN" altLang="en-US" smtClean="0"/>
-              <a:t>2021-03-28</a:t>
+              <a:t>2021-04-04</a:t>
             </a:fld>
             <a:endParaRPr lang="zh-CN" altLang="en-US"/>
           </a:p>
@@ -4056,7 +4058,7 @@
           <a:p>
             <a:fld id="{0649EC06-2033-4DD2-86C4-1669F672B9CE}" type="datetime1">
               <a:rPr lang="zh-CN" altLang="en-US" smtClean="0"/>
-              <a:t>2021-03-28</a:t>
+              <a:t>2021-04-04</a:t>
             </a:fld>
             <a:endParaRPr lang="zh-CN" altLang="en-US"/>
           </a:p>
@@ -6617,6 +6619,465 @@
           </a:p>
         </p:txBody>
       </p:sp>
+    </p:spTree>
+    <p:extLst>
+      <p:ext uri="{BB962C8B-B14F-4D97-AF65-F5344CB8AC3E}">
+        <p14:creationId xmlns:p14="http://schemas.microsoft.com/office/powerpoint/2010/main" val="3219144231"/>
+      </p:ext>
+    </p:extLst>
+  </p:cSld>
+  <p:clrMapOvr>
+    <a:masterClrMapping/>
+  </p:clrMapOvr>
+  <mc:AlternateContent xmlns:mc="http://schemas.openxmlformats.org/markup-compatibility/2006" xmlns:p159="http://schemas.microsoft.com/office/powerpoint/2015/09/main">
+    <mc:Choice Requires="p159">
+      <p:transition spd="slow">
+        <p159:morph option="byObject"/>
+      </p:transition>
+    </mc:Choice>
+    <mc:Fallback xmlns="">
+      <p:transition spd="slow">
+        <p:fade/>
+      </p:transition>
+    </mc:Fallback>
+  </mc:AlternateContent>
+</p:sld>
+</file>
+
+<file path=ppt/slides/slide9.xml><?xml version="1.0" encoding="utf-8"?>
+<p:sld xmlns:a="http://schemas.openxmlformats.org/drawingml/2006/main" xmlns:r="http://schemas.openxmlformats.org/officeDocument/2006/relationships" xmlns:p="http://schemas.openxmlformats.org/presentationml/2006/main">
+  <p:cSld>
+    <p:spTree>
+      <p:nvGrpSpPr>
+        <p:cNvPr id="1" name=""/>
+        <p:cNvGrpSpPr/>
+        <p:nvPr/>
+      </p:nvGrpSpPr>
+      <p:grpSpPr>
+        <a:xfrm>
+          <a:off x="0" y="0"/>
+          <a:ext cx="0" cy="0"/>
+          <a:chOff x="0" y="0"/>
+          <a:chExt cx="0" cy="0"/>
+        </a:xfrm>
+      </p:grpSpPr>
+      <p:sp>
+        <p:nvSpPr>
+          <p:cNvPr id="46" name="Rectangle 4">
+            <a:extLst>
+              <a:ext uri="{FF2B5EF4-FFF2-40B4-BE49-F238E27FC236}">
+                <a16:creationId xmlns:a16="http://schemas.microsoft.com/office/drawing/2014/main" id="{DB086ED5-E767-422C-A676-47146345395D}"/>
+              </a:ext>
+            </a:extLst>
+          </p:cNvPr>
+          <p:cNvSpPr>
+            <a:spLocks noGrp="1" noChangeArrowheads="1"/>
+          </p:cNvSpPr>
+          <p:nvPr>
+            <p:ph type="title"/>
+          </p:nvPr>
+        </p:nvSpPr>
+        <p:spPr>
+          <a:xfrm>
+            <a:off x="838199" y="0"/>
+            <a:ext cx="10515600" cy="1325563"/>
+          </a:xfrm>
+        </p:spPr>
+        <p:txBody>
+          <a:bodyPr>
+            <a:normAutofit/>
+          </a:bodyPr>
+          <a:lstStyle/>
+          <a:p>
+            <a:r>
+              <a:rPr lang="zh-CN" altLang="en-US" sz="4000" dirty="0">
+                <a:latin typeface="微软雅黑" panose="020B0503020204020204" pitchFamily="34" charset="-122"/>
+                <a:ea typeface="微软雅黑" panose="020B0503020204020204" pitchFamily="34" charset="-122"/>
+              </a:rPr>
+              <a:t>测试用例</a:t>
+            </a:r>
+          </a:p>
+        </p:txBody>
+      </p:sp>
+      <p:graphicFrame>
+        <p:nvGraphicFramePr>
+          <p:cNvPr id="4" name="表格 3">
+            <a:extLst>
+              <a:ext uri="{FF2B5EF4-FFF2-40B4-BE49-F238E27FC236}">
+                <a16:creationId xmlns:a16="http://schemas.microsoft.com/office/drawing/2014/main" id="{EFAAB358-C9F5-43A9-A6B6-8896B94C860A}"/>
+              </a:ext>
+            </a:extLst>
+          </p:cNvPr>
+          <p:cNvGraphicFramePr>
+            <a:graphicFrameLocks noGrp="1"/>
+          </p:cNvGraphicFramePr>
+          <p:nvPr>
+            <p:extLst>
+              <p:ext uri="{D42A27DB-BD31-4B8C-83A1-F6EECF244321}">
+                <p14:modId xmlns:p14="http://schemas.microsoft.com/office/powerpoint/2010/main" val="843662283"/>
+              </p:ext>
+            </p:extLst>
+          </p:nvPr>
+        </p:nvGraphicFramePr>
+        <p:xfrm>
+          <a:off x="660400" y="1130300"/>
+          <a:ext cx="10858500" cy="5003800"/>
+        </p:xfrm>
+        <a:graphic>
+          <a:graphicData uri="http://schemas.openxmlformats.org/drawingml/2006/table">
+            <a:tbl>
+              <a:tblPr firstRow="1" bandRow="1">
+                <a:tableStyleId>{7DF18680-E054-41AD-8BC1-D1AEF772440D}</a:tableStyleId>
+              </a:tblPr>
+              <a:tblGrid>
+                <a:gridCol w="4064681">
+                  <a:extLst>
+                    <a:ext uri="{9D8B030D-6E8A-4147-A177-3AD203B41FA5}">
+                      <a16:colId xmlns:a16="http://schemas.microsoft.com/office/drawing/2014/main" val="2400416509"/>
+                    </a:ext>
+                  </a:extLst>
+                </a:gridCol>
+                <a:gridCol w="3145417">
+                  <a:extLst>
+                    <a:ext uri="{9D8B030D-6E8A-4147-A177-3AD203B41FA5}">
+                      <a16:colId xmlns:a16="http://schemas.microsoft.com/office/drawing/2014/main" val="1555822115"/>
+                    </a:ext>
+                  </a:extLst>
+                </a:gridCol>
+                <a:gridCol w="3648402">
+                  <a:extLst>
+                    <a:ext uri="{9D8B030D-6E8A-4147-A177-3AD203B41FA5}">
+                      <a16:colId xmlns:a16="http://schemas.microsoft.com/office/drawing/2014/main" val="575239997"/>
+                    </a:ext>
+                  </a:extLst>
+                </a:gridCol>
+              </a:tblGrid>
+              <a:tr h="1250950">
+                <a:tc>
+                  <a:txBody>
+                    <a:bodyPr/>
+                    <a:lstStyle/>
+                    <a:p>
+                      <a:pPr algn="ctr"/>
+                      <a:r>
+                        <a:rPr lang="zh-CN" altLang="en-US" sz="2000" dirty="0"/>
+                        <a:t>示例</a:t>
+                      </a:r>
+                    </a:p>
+                  </a:txBody>
+                  <a:tcPr marL="104067" marR="104067" marT="52033" marB="52033" anchor="ctr"/>
+                </a:tc>
+                <a:tc>
+                  <a:txBody>
+                    <a:bodyPr/>
+                    <a:lstStyle/>
+                    <a:p>
+                      <a:pPr algn="ctr"/>
+                      <a:r>
+                        <a:rPr lang="zh-CN" altLang="en-US" sz="2000" dirty="0"/>
+                        <a:t>实际输入</a:t>
+                      </a:r>
+                    </a:p>
+                  </a:txBody>
+                  <a:tcPr marL="104067" marR="104067" marT="52033" marB="52033" anchor="ctr"/>
+                </a:tc>
+                <a:tc>
+                  <a:txBody>
+                    <a:bodyPr/>
+                    <a:lstStyle/>
+                    <a:p>
+                      <a:pPr algn="ctr"/>
+                      <a:r>
+                        <a:rPr lang="zh-CN" altLang="en-US" sz="2000" dirty="0"/>
+                        <a:t>预期输出</a:t>
+                      </a:r>
+                    </a:p>
+                  </a:txBody>
+                  <a:tcPr marL="104067" marR="104067" marT="52033" marB="52033" anchor="ctr"/>
+                </a:tc>
+                <a:extLst>
+                  <a:ext uri="{0D108BD9-81ED-4DB2-BD59-A6C34878D82A}">
+                    <a16:rowId xmlns:a16="http://schemas.microsoft.com/office/drawing/2014/main" val="2498616311"/>
+                  </a:ext>
+                </a:extLst>
+              </a:tr>
+              <a:tr h="1250950">
+                <a:tc>
+                  <a:txBody>
+                    <a:bodyPr/>
+                    <a:lstStyle/>
+                    <a:p>
+                      <a:pPr algn="ctr"/>
+                      <a:r>
+                        <a:rPr lang="zh-CN" altLang="en-US" sz="2000" dirty="0">
+                          <a:latin typeface="微软雅黑" panose="020B0503020204020204" pitchFamily="34" charset="-122"/>
+                          <a:ea typeface="微软雅黑" panose="020B0503020204020204" pitchFamily="34" charset="-122"/>
+                        </a:rPr>
+                        <a:t>输入的链表有多个结点</a:t>
+                      </a:r>
+                    </a:p>
+                  </a:txBody>
+                  <a:tcPr marL="104067" marR="104067" marT="52033" marB="52033" anchor="ctr"/>
+                </a:tc>
+                <a:tc>
+                  <a:txBody>
+                    <a:bodyPr/>
+                    <a:lstStyle/>
+                    <a:p>
+                      <a:pPr marL="0" marR="0" lvl="0" indent="0" algn="ctr" defTabSz="914400" rtl="0" eaLnBrk="1" fontAlgn="auto" latinLnBrk="0" hangingPunct="1">
+                        <a:lnSpc>
+                          <a:spcPct val="100000"/>
+                        </a:lnSpc>
+                        <a:spcBef>
+                          <a:spcPts val="0"/>
+                        </a:spcBef>
+                        <a:spcAft>
+                          <a:spcPts val="0"/>
+                        </a:spcAft>
+                        <a:buClrTx/>
+                        <a:buSzTx/>
+                        <a:buFontTx/>
+                        <a:buNone/>
+                        <a:tabLst/>
+                        <a:defRPr/>
+                      </a:pPr>
+                      <a:r>
+                        <a:rPr lang="en-US" altLang="zh-CN" sz="2000" dirty="0">
+                          <a:latin typeface="微软雅黑" panose="020B0503020204020204" pitchFamily="34" charset="-122"/>
+                          <a:ea typeface="微软雅黑" panose="020B0503020204020204" pitchFamily="34" charset="-122"/>
+                        </a:rPr>
+                        <a:t>{67,0,24,58}</a:t>
+                      </a:r>
+                      <a:endParaRPr lang="zh-CN" altLang="en-US" sz="2000" dirty="0">
+                        <a:latin typeface="微软雅黑" panose="020B0503020204020204" pitchFamily="34" charset="-122"/>
+                        <a:ea typeface="微软雅黑" panose="020B0503020204020204" pitchFamily="34" charset="-122"/>
+                      </a:endParaRPr>
+                    </a:p>
+                  </a:txBody>
+                  <a:tcPr marL="104067" marR="104067" marT="52033" marB="52033" anchor="ctr"/>
+                </a:tc>
+                <a:tc>
+                  <a:txBody>
+                    <a:bodyPr/>
+                    <a:lstStyle/>
+                    <a:p>
+                      <a:pPr marL="0" marR="0" lvl="0" indent="0" algn="ctr" defTabSz="914400" rtl="0" eaLnBrk="1" fontAlgn="auto" latinLnBrk="0" hangingPunct="1">
+                        <a:lnSpc>
+                          <a:spcPct val="100000"/>
+                        </a:lnSpc>
+                        <a:spcBef>
+                          <a:spcPts val="0"/>
+                        </a:spcBef>
+                        <a:spcAft>
+                          <a:spcPts val="0"/>
+                        </a:spcAft>
+                        <a:buClrTx/>
+                        <a:buSzTx/>
+                        <a:buFontTx/>
+                        <a:buNone/>
+                        <a:tabLst/>
+                        <a:defRPr/>
+                      </a:pPr>
+                      <a:r>
+                        <a:rPr lang="en-US" altLang="zh-CN" sz="2000" dirty="0">
+                          <a:latin typeface="微软雅黑" panose="020B0503020204020204" pitchFamily="34" charset="-122"/>
+                          <a:ea typeface="微软雅黑" panose="020B0503020204020204" pitchFamily="34" charset="-122"/>
+                        </a:rPr>
+                        <a:t>{58,24,0,67}</a:t>
+                      </a:r>
+                      <a:endParaRPr lang="zh-CN" altLang="en-US" sz="2000" dirty="0">
+                        <a:latin typeface="微软雅黑" panose="020B0503020204020204" pitchFamily="34" charset="-122"/>
+                        <a:ea typeface="微软雅黑" panose="020B0503020204020204" pitchFamily="34" charset="-122"/>
+                      </a:endParaRPr>
+                    </a:p>
+                  </a:txBody>
+                  <a:tcPr marL="104067" marR="104067" marT="52033" marB="52033" anchor="ctr"/>
+                </a:tc>
+                <a:extLst>
+                  <a:ext uri="{0D108BD9-81ED-4DB2-BD59-A6C34878D82A}">
+                    <a16:rowId xmlns:a16="http://schemas.microsoft.com/office/drawing/2014/main" val="3789855744"/>
+                  </a:ext>
+                </a:extLst>
+              </a:tr>
+              <a:tr h="1250950">
+                <a:tc>
+                  <a:txBody>
+                    <a:bodyPr/>
+                    <a:lstStyle/>
+                    <a:p>
+                      <a:pPr algn="ctr"/>
+                      <a:r>
+                        <a:rPr lang="zh-CN" altLang="en-US" sz="2000" dirty="0">
+                          <a:latin typeface="微软雅黑" panose="020B0503020204020204" pitchFamily="34" charset="-122"/>
+                          <a:ea typeface="微软雅黑" panose="020B0503020204020204" pitchFamily="34" charset="-122"/>
+                        </a:rPr>
+                        <a:t>输入的链表只有一个结点</a:t>
+                      </a:r>
+                    </a:p>
+                  </a:txBody>
+                  <a:tcPr marL="104067" marR="104067" marT="52033" marB="52033" anchor="ctr"/>
+                </a:tc>
+                <a:tc>
+                  <a:txBody>
+                    <a:bodyPr/>
+                    <a:lstStyle/>
+                    <a:p>
+                      <a:pPr algn="ctr"/>
+                      <a:r>
+                        <a:rPr lang="en-US" altLang="zh-CN" sz="2000" dirty="0">
+                          <a:latin typeface="微软雅黑" panose="020B0503020204020204" pitchFamily="34" charset="-122"/>
+                          <a:ea typeface="微软雅黑" panose="020B0503020204020204" pitchFamily="34" charset="-122"/>
+                        </a:rPr>
+                        <a:t>{67}</a:t>
+                      </a:r>
+                      <a:endParaRPr lang="zh-CN" altLang="en-US" sz="2000" dirty="0">
+                        <a:latin typeface="微软雅黑" panose="020B0503020204020204" pitchFamily="34" charset="-122"/>
+                        <a:ea typeface="微软雅黑" panose="020B0503020204020204" pitchFamily="34" charset="-122"/>
+                      </a:endParaRPr>
+                    </a:p>
+                  </a:txBody>
+                  <a:tcPr marL="104067" marR="104067" marT="52033" marB="52033" anchor="ctr"/>
+                </a:tc>
+                <a:tc>
+                  <a:txBody>
+                    <a:bodyPr/>
+                    <a:lstStyle/>
+                    <a:p>
+                      <a:pPr marL="0" marR="0" lvl="0" indent="0" algn="ctr" defTabSz="914400" rtl="0" eaLnBrk="1" fontAlgn="auto" latinLnBrk="0" hangingPunct="1">
+                        <a:lnSpc>
+                          <a:spcPct val="100000"/>
+                        </a:lnSpc>
+                        <a:spcBef>
+                          <a:spcPts val="0"/>
+                        </a:spcBef>
+                        <a:spcAft>
+                          <a:spcPts val="0"/>
+                        </a:spcAft>
+                        <a:buClrTx/>
+                        <a:buSzTx/>
+                        <a:buFontTx/>
+                        <a:buNone/>
+                        <a:tabLst/>
+                        <a:defRPr/>
+                      </a:pPr>
+                      <a:r>
+                        <a:rPr lang="en-US" altLang="zh-CN" sz="2000" dirty="0">
+                          <a:latin typeface="微软雅黑" panose="020B0503020204020204" pitchFamily="34" charset="-122"/>
+                          <a:ea typeface="微软雅黑" panose="020B0503020204020204" pitchFamily="34" charset="-122"/>
+                        </a:rPr>
+                        <a:t>{67}</a:t>
+                      </a:r>
+                      <a:endParaRPr lang="zh-CN" altLang="en-US" sz="2000" dirty="0">
+                        <a:latin typeface="微软雅黑" panose="020B0503020204020204" pitchFamily="34" charset="-122"/>
+                        <a:ea typeface="微软雅黑" panose="020B0503020204020204" pitchFamily="34" charset="-122"/>
+                      </a:endParaRPr>
+                    </a:p>
+                  </a:txBody>
+                  <a:tcPr marL="104067" marR="104067" marT="52033" marB="52033" anchor="ctr"/>
+                </a:tc>
+                <a:extLst>
+                  <a:ext uri="{0D108BD9-81ED-4DB2-BD59-A6C34878D82A}">
+                    <a16:rowId xmlns:a16="http://schemas.microsoft.com/office/drawing/2014/main" val="1595508788"/>
+                  </a:ext>
+                </a:extLst>
+              </a:tr>
+              <a:tr h="1250950">
+                <a:tc>
+                  <a:txBody>
+                    <a:bodyPr/>
+                    <a:lstStyle/>
+                    <a:p>
+                      <a:pPr algn="ctr"/>
+                      <a:r>
+                        <a:rPr lang="zh-CN" altLang="en-US" sz="2000" dirty="0">
+                          <a:latin typeface="微软雅黑" panose="020B0503020204020204" pitchFamily="34" charset="-122"/>
+                          <a:ea typeface="微软雅黑" panose="020B0503020204020204" pitchFamily="34" charset="-122"/>
+                        </a:rPr>
+                        <a:t>输入的链表头结点指针为</a:t>
+                      </a:r>
+                      <a:r>
+                        <a:rPr lang="en-US" altLang="zh-CN" sz="2000" dirty="0">
+                          <a:latin typeface="微软雅黑" panose="020B0503020204020204" pitchFamily="34" charset="-122"/>
+                          <a:ea typeface="微软雅黑" panose="020B0503020204020204" pitchFamily="34" charset="-122"/>
+                        </a:rPr>
+                        <a:t>NULL</a:t>
+                      </a:r>
+                      <a:endParaRPr lang="zh-CN" altLang="en-US" sz="2000" dirty="0">
+                        <a:latin typeface="微软雅黑" panose="020B0503020204020204" pitchFamily="34" charset="-122"/>
+                        <a:ea typeface="微软雅黑" panose="020B0503020204020204" pitchFamily="34" charset="-122"/>
+                      </a:endParaRPr>
+                    </a:p>
+                  </a:txBody>
+                  <a:tcPr marL="104067" marR="104067" marT="52033" marB="52033" anchor="ctr"/>
+                </a:tc>
+                <a:tc>
+                  <a:txBody>
+                    <a:bodyPr/>
+                    <a:lstStyle/>
+                    <a:p>
+                      <a:pPr algn="ctr"/>
+                      <a:r>
+                        <a:rPr lang="en-US" altLang="zh-CN" sz="2000" dirty="0">
+                          <a:latin typeface="微软雅黑" panose="020B0503020204020204" pitchFamily="34" charset="-122"/>
+                          <a:ea typeface="微软雅黑" panose="020B0503020204020204" pitchFamily="34" charset="-122"/>
+                        </a:rPr>
+                        <a:t>{}</a:t>
+                      </a:r>
+                      <a:endParaRPr lang="zh-CN" altLang="en-US" sz="2000" dirty="0">
+                        <a:latin typeface="微软雅黑" panose="020B0503020204020204" pitchFamily="34" charset="-122"/>
+                        <a:ea typeface="微软雅黑" panose="020B0503020204020204" pitchFamily="34" charset="-122"/>
+                      </a:endParaRPr>
+                    </a:p>
+                  </a:txBody>
+                  <a:tcPr marL="104067" marR="104067" marT="52033" marB="52033" anchor="ctr"/>
+                </a:tc>
+                <a:tc>
+                  <a:txBody>
+                    <a:bodyPr/>
+                    <a:lstStyle/>
+                    <a:p>
+                      <a:pPr marL="0" marR="0" lvl="0" indent="0" algn="ctr" defTabSz="914400" rtl="0" eaLnBrk="1" fontAlgn="auto" latinLnBrk="0" hangingPunct="1">
+                        <a:lnSpc>
+                          <a:spcPct val="100000"/>
+                        </a:lnSpc>
+                        <a:spcBef>
+                          <a:spcPts val="0"/>
+                        </a:spcBef>
+                        <a:spcAft>
+                          <a:spcPts val="0"/>
+                        </a:spcAft>
+                        <a:buClrTx/>
+                        <a:buSzTx/>
+                        <a:buFontTx/>
+                        <a:buNone/>
+                        <a:tabLst/>
+                        <a:defRPr/>
+                      </a:pPr>
+                      <a:r>
+                        <a:rPr lang="en-US" altLang="zh-CN" sz="2000" dirty="0">
+                          <a:latin typeface="微软雅黑" panose="020B0503020204020204" pitchFamily="34" charset="-122"/>
+                          <a:ea typeface="微软雅黑" panose="020B0503020204020204" pitchFamily="34" charset="-122"/>
+                        </a:rPr>
+                        <a:t>{}</a:t>
+                      </a:r>
+                      <a:endParaRPr lang="zh-CN" altLang="en-US" sz="2000" dirty="0">
+                        <a:latin typeface="微软雅黑" panose="020B0503020204020204" pitchFamily="34" charset="-122"/>
+                        <a:ea typeface="微软雅黑" panose="020B0503020204020204" pitchFamily="34" charset="-122"/>
+                      </a:endParaRPr>
+                    </a:p>
+                  </a:txBody>
+                  <a:tcPr marL="104067" marR="104067" marT="52033" marB="52033" anchor="ctr"/>
+                </a:tc>
+                <a:extLst>
+                  <a:ext uri="{0D108BD9-81ED-4DB2-BD59-A6C34878D82A}">
+                    <a16:rowId xmlns:a16="http://schemas.microsoft.com/office/drawing/2014/main" val="2491674225"/>
+                  </a:ext>
+                </a:extLst>
+              </a:tr>
+            </a:tbl>
+          </a:graphicData>
+        </a:graphic>
+      </p:graphicFrame>
     </p:spTree>
     <p:extLst>
       <p:ext uri="{BB962C8B-B14F-4D97-AF65-F5344CB8AC3E}">
